--- a/PPT/หน่วยที่ 5.pptx
+++ b/PPT/หน่วยที่ 5.pptx
@@ -10648,23 +10648,6 @@
             <a:pPr>
               <a:defRPr/>
             </a:pPr>
-            <a:r>
-              <a:rPr lang="en-US" sz="6000" b="1" dirty="0">
-                <a:solidFill>
-                  <a:srgbClr val="0070C0"/>
-                </a:solidFill>
-                <a:effectLst>
-                  <a:outerShdw blurRad="38100" dist="38100" dir="2700000" algn="tl">
-                    <a:srgbClr val="000000">
-                      <a:alpha val="43137"/>
-                    </a:srgbClr>
-                  </a:outerShdw>
-                </a:effectLst>
-                <a:latin typeface="TH Sarabun New" panose="020B0500040200020003" pitchFamily="34" charset="-34"/>
-                <a:cs typeface="TH Sarabun New" panose="020B0500040200020003" pitchFamily="34" charset="-34"/>
-              </a:rPr>
-              <a:t>A Type Is a Template</a:t>
-            </a:r>
             <a:endParaRPr lang="th-TH" sz="6000" b="1" dirty="0">
               <a:solidFill>
                 <a:srgbClr val="0070C0"/>
@@ -16969,6 +16952,26 @@
 </file>
 
 <file path=customXml/item1.xml><?xml version="1.0" encoding="utf-8"?>
+<?mso-contentType ?>
+<FormTemplates xmlns="http://schemas.microsoft.com/sharepoint/v3/contenttype/forms">
+  <Display>DocumentLibraryForm</Display>
+  <Edit>DocumentLibraryForm</Edit>
+  <New>DocumentLibraryForm</New>
+</FormTemplates>
+</file>
+
+<file path=customXml/item2.xml><?xml version="1.0" encoding="utf-8"?>
+<p:properties xmlns:p="http://schemas.microsoft.com/office/2006/metadata/properties" xmlns:xsi="http://www.w3.org/2001/XMLSchema-instance" xmlns:pc="http://schemas.microsoft.com/office/infopath/2007/PartnerControls">
+  <documentManagement>
+    <TaxCatchAll xmlns="7cc98989-72c3-446c-ae77-edbe8b0d3d4f" xsi:nil="true"/>
+    <lcf76f155ced4ddcb4097134ff3c332f xmlns="f6931950-b3bd-48d0-869a-0ff6947ee6b8">
+      <Terms xmlns="http://schemas.microsoft.com/office/infopath/2007/PartnerControls"/>
+    </lcf76f155ced4ddcb4097134ff3c332f>
+  </documentManagement>
+</p:properties>
+</file>
+
+<file path=customXml/item3.xml><?xml version="1.0" encoding="utf-8"?>
 <ct:contentTypeSchema xmlns:ct="http://schemas.microsoft.com/office/2006/metadata/contentType" xmlns:ma="http://schemas.microsoft.com/office/2006/metadata/properties/metaAttributes" ct:_="" ma:_="" ma:contentTypeName="Document" ma:contentTypeID="0x0101005AC05097884E7346B95458D1EAE16B12" ma:contentTypeVersion="9" ma:contentTypeDescription="Create a new document." ma:contentTypeScope="" ma:versionID="53065544a541fc9b775a2cc133bcaf9f">
   <xsd:schema xmlns:xsd="http://www.w3.org/2001/XMLSchema" xmlns:xs="http://www.w3.org/2001/XMLSchema" xmlns:p="http://schemas.microsoft.com/office/2006/metadata/properties" xmlns:ns2="f6931950-b3bd-48d0-869a-0ff6947ee6b8" xmlns:ns3="7cc98989-72c3-446c-ae77-edbe8b0d3d4f" targetNamespace="http://schemas.microsoft.com/office/2006/metadata/properties" ma:root="true" ma:fieldsID="112423c7ad69c78866a7108fa5d8a06e" ns2:_="" ns3:_="">
     <xsd:import namespace="f6931950-b3bd-48d0-869a-0ff6947ee6b8"/>
@@ -17151,28 +17154,12 @@
 </ct:contentTypeSchema>
 </file>
 
-<file path=customXml/item2.xml><?xml version="1.0" encoding="utf-8"?>
-<p:properties xmlns:p="http://schemas.microsoft.com/office/2006/metadata/properties" xmlns:xsi="http://www.w3.org/2001/XMLSchema-instance" xmlns:pc="http://schemas.microsoft.com/office/infopath/2007/PartnerControls">
-  <documentManagement>
-    <TaxCatchAll xmlns="7cc98989-72c3-446c-ae77-edbe8b0d3d4f" xsi:nil="true"/>
-    <lcf76f155ced4ddcb4097134ff3c332f xmlns="f6931950-b3bd-48d0-869a-0ff6947ee6b8">
-      <Terms xmlns="http://schemas.microsoft.com/office/infopath/2007/PartnerControls"/>
-    </lcf76f155ced4ddcb4097134ff3c332f>
-  </documentManagement>
-</p:properties>
-</file>
-
-<file path=customXml/item3.xml><?xml version="1.0" encoding="utf-8"?>
-<?mso-contentType ?>
-<FormTemplates xmlns="http://schemas.microsoft.com/sharepoint/v3/contenttype/forms">
-  <Display>DocumentLibraryForm</Display>
-  <Edit>DocumentLibraryForm</Edit>
-  <New>DocumentLibraryForm</New>
-</FormTemplates>
-</file>
-
 <file path=customXml/itemProps1.xml><?xml version="1.0" encoding="utf-8"?>
-<ds:datastoreItem xmlns:ds="http://schemas.openxmlformats.org/officeDocument/2006/customXml" ds:itemID="{CC53C1E6-39F7-4A06-B44F-F2DA0D541B4D}"/>
+<ds:datastoreItem xmlns:ds="http://schemas.openxmlformats.org/officeDocument/2006/customXml" ds:itemID="{278F3731-4B60-4B27-B726-3EC878154004}">
+  <ds:schemaRefs>
+    <ds:schemaRef ds:uri="http://schemas.microsoft.com/sharepoint/v3/contenttype/forms"/>
+  </ds:schemaRefs>
+</ds:datastoreItem>
 </file>
 
 <file path=customXml/itemProps2.xml><?xml version="1.0" encoding="utf-8"?>
@@ -17187,14 +17174,26 @@
     <ds:schemaRef ds:uri="http://schemas.openxmlformats.org/package/2006/metadata/core-properties"/>
     <ds:schemaRef ds:uri="http://schemas.microsoft.com/office/2006/metadata/properties"/>
     <ds:schemaRef ds:uri="http://purl.org/dc/terms/"/>
+    <ds:schemaRef ds:uri="7cc98989-72c3-446c-ae77-edbe8b0d3d4f"/>
   </ds:schemaRefs>
 </ds:datastoreItem>
 </file>
 
 <file path=customXml/itemProps3.xml><?xml version="1.0" encoding="utf-8"?>
-<ds:datastoreItem xmlns:ds="http://schemas.openxmlformats.org/officeDocument/2006/customXml" ds:itemID="{278F3731-4B60-4B27-B726-3EC878154004}">
+<ds:datastoreItem xmlns:ds="http://schemas.openxmlformats.org/officeDocument/2006/customXml" ds:itemID="{CC53C1E6-39F7-4A06-B44F-F2DA0D541B4D}">
   <ds:schemaRefs>
-    <ds:schemaRef ds:uri="http://schemas.microsoft.com/sharepoint/v3/contenttype/forms"/>
+    <ds:schemaRef ds:uri="http://schemas.microsoft.com/office/2006/metadata/contentType"/>
+    <ds:schemaRef ds:uri="http://schemas.microsoft.com/office/2006/metadata/properties/metaAttributes"/>
+    <ds:schemaRef ds:uri="http://www.w3.org/2001/XMLSchema"/>
+    <ds:schemaRef ds:uri="http://schemas.microsoft.com/office/2006/metadata/properties"/>
+    <ds:schemaRef ds:uri="f6931950-b3bd-48d0-869a-0ff6947ee6b8"/>
+    <ds:schemaRef ds:uri="7cc98989-72c3-446c-ae77-edbe8b0d3d4f"/>
+    <ds:schemaRef ds:uri="http://schemas.microsoft.com/office/2006/documentManagement/types"/>
+    <ds:schemaRef ds:uri="http://schemas.microsoft.com/office/infopath/2007/PartnerControls"/>
+    <ds:schemaRef ds:uri="http://schemas.openxmlformats.org/package/2006/metadata/core-properties"/>
+    <ds:schemaRef ds:uri="http://purl.org/dc/elements/1.1/"/>
+    <ds:schemaRef ds:uri="http://purl.org/dc/terms/"/>
+    <ds:schemaRef ds:uri="http://schemas.microsoft.com/internal/obd"/>
   </ds:schemaRefs>
 </ds:datastoreItem>
 </file>